--- a/picture/ppt/filesystem.pptx
+++ b/picture/ppt/filesystem.pptx
@@ -4466,14 +4466,14 @@
               <a:t> </a:t>
             </a:r>
             <a:r>
-              <a:rPr lang="" altLang="en-US" sz="450">
+              <a:rPr lang="en-US" altLang="en-US" sz="450">
                 <a:solidFill>
                   <a:srgbClr val="2C3E50"/>
                 </a:solidFill>
               </a:rPr>
               <a:t>磁柱0</a:t>
             </a:r>
-            <a:endParaRPr lang="" altLang="en-US" sz="450">
+            <a:endParaRPr lang="en-US" altLang="en-US" sz="450">
               <a:solidFill>
                 <a:srgbClr val="2C3E50"/>
               </a:solidFill>
@@ -5292,14 +5292,14 @@
             <a:p>
               <a:pPr algn="ctr"/>
               <a:r>
-                <a:rPr lang="" altLang="zh-CN" sz="450">
+                <a:rPr lang="en-US" altLang="zh-CN" sz="450">
                   <a:solidFill>
                     <a:srgbClr val="2C3E50"/>
                   </a:solidFill>
                 </a:rPr>
                 <a:t>UUID</a:t>
               </a:r>
-              <a:endParaRPr lang="" altLang="zh-CN" sz="450">
+              <a:endParaRPr lang="en-US" altLang="zh-CN" sz="450">
                 <a:solidFill>
                   <a:srgbClr val="2C3E50"/>
                 </a:solidFill>
@@ -5351,14 +5351,14 @@
             <a:p>
               <a:pPr algn="ctr"/>
               <a:r>
-                <a:rPr lang="" altLang="zh-CN" sz="450">
+                <a:rPr lang="en-US" altLang="zh-CN" sz="450">
                   <a:solidFill>
                     <a:srgbClr val="2C3E50"/>
                   </a:solidFill>
                 </a:rPr>
                 <a:t>inode数量</a:t>
               </a:r>
-              <a:endParaRPr lang="" altLang="zh-CN" sz="450">
+              <a:endParaRPr lang="en-US" altLang="zh-CN" sz="450">
                 <a:solidFill>
                   <a:srgbClr val="2C3E50"/>
                 </a:solidFill>
@@ -5410,14 +5410,14 @@
             <a:p>
               <a:pPr algn="ctr"/>
               <a:r>
-                <a:rPr lang="" altLang="zh-CN" sz="450">
+                <a:rPr lang="en-US" altLang="zh-CN" sz="450">
                   <a:solidFill>
                     <a:srgbClr val="2C3E50"/>
                   </a:solidFill>
                 </a:rPr>
                 <a:t>block数量</a:t>
               </a:r>
-              <a:endParaRPr lang="" altLang="zh-CN" sz="450">
+              <a:endParaRPr lang="en-US" altLang="zh-CN" sz="450">
                 <a:solidFill>
                   <a:srgbClr val="2C3E50"/>
                 </a:solidFill>
@@ -5469,14 +5469,14 @@
             <a:p>
               <a:pPr algn="ctr"/>
               <a:r>
-                <a:rPr lang="" altLang="zh-CN" sz="450">
+                <a:rPr lang="en-US" altLang="zh-CN" sz="450">
                   <a:solidFill>
                     <a:srgbClr val="2C3E50"/>
                   </a:solidFill>
                 </a:rPr>
                 <a:t>未使用inode数量</a:t>
               </a:r>
-              <a:endParaRPr lang="" altLang="zh-CN" sz="450">
+              <a:endParaRPr lang="en-US" altLang="zh-CN" sz="450">
                 <a:solidFill>
                   <a:srgbClr val="2C3E50"/>
                 </a:solidFill>
@@ -5528,14 +5528,14 @@
             <a:p>
               <a:pPr algn="ctr"/>
               <a:r>
-                <a:rPr lang="" altLang="zh-CN" sz="450">
+                <a:rPr lang="en-US" altLang="zh-CN" sz="450">
                   <a:solidFill>
                     <a:srgbClr val="2C3E50"/>
                   </a:solidFill>
                 </a:rPr>
                 <a:t>未使用block数量</a:t>
               </a:r>
-              <a:endParaRPr lang="" altLang="zh-CN" sz="450">
+              <a:endParaRPr lang="en-US" altLang="zh-CN" sz="450">
                 <a:solidFill>
                   <a:srgbClr val="2C3E50"/>
                 </a:solidFill>
@@ -5587,14 +5587,14 @@
             <a:p>
               <a:pPr algn="ctr"/>
               <a:r>
-                <a:rPr lang="" altLang="zh-CN" sz="450">
+                <a:rPr lang="en-US" altLang="zh-CN" sz="450">
                   <a:solidFill>
                     <a:srgbClr val="2C3E50"/>
                   </a:solidFill>
                 </a:rPr>
                 <a:t>,,,</a:t>
               </a:r>
-              <a:endParaRPr lang="" altLang="zh-CN" sz="450">
+              <a:endParaRPr lang="en-US" altLang="zh-CN" sz="450">
                 <a:solidFill>
                   <a:srgbClr val="2C3E50"/>
                 </a:solidFill>
@@ -5647,14 +5647,14 @@
           <a:p>
             <a:pPr algn="ctr"/>
             <a:r>
-              <a:rPr lang="" altLang="zh-CN" sz="450">
+              <a:rPr lang="en-US" altLang="zh-CN" sz="450">
                 <a:solidFill>
                   <a:srgbClr val="2C3E50"/>
                 </a:solidFill>
               </a:rPr>
               <a:t>超级块备份</a:t>
             </a:r>
-            <a:endParaRPr lang="" altLang="zh-CN" sz="450">
+            <a:endParaRPr lang="en-US" altLang="zh-CN" sz="450">
               <a:solidFill>
                 <a:srgbClr val="2C3E50"/>
               </a:solidFill>
@@ -5706,14 +5706,14 @@
           <a:p>
             <a:pPr algn="ctr"/>
             <a:r>
-              <a:rPr lang="" altLang="zh-CN" sz="450">
+              <a:rPr lang="en-US" altLang="zh-CN" sz="450">
                 <a:solidFill>
                   <a:srgbClr val="2C3E50"/>
                 </a:solidFill>
               </a:rPr>
               <a:t>描述符</a:t>
             </a:r>
-            <a:endParaRPr lang="" altLang="zh-CN" sz="450">
+            <a:endParaRPr lang="en-US" altLang="zh-CN" sz="450">
               <a:solidFill>
                 <a:srgbClr val="2C3E50"/>
               </a:solidFill>
@@ -5942,14 +5942,14 @@
           <a:p>
             <a:pPr algn="ctr"/>
             <a:r>
-              <a:rPr lang="" altLang="zh-CN" sz="450">
+              <a:rPr lang="en-US" altLang="zh-CN" sz="450">
                 <a:solidFill>
                   <a:srgbClr val="2C3E50"/>
                 </a:solidFill>
               </a:rPr>
               <a:t>数据块1</a:t>
             </a:r>
-            <a:endParaRPr lang="" altLang="zh-CN" sz="450">
+            <a:endParaRPr lang="en-US" altLang="zh-CN" sz="450">
               <a:solidFill>
                 <a:srgbClr val="2C3E50"/>
               </a:solidFill>
@@ -6009,14 +6009,14 @@
               <a:t>数据块</a:t>
             </a:r>
             <a:r>
-              <a:rPr lang="" altLang="en-US" sz="450">
+              <a:rPr lang="en-US" altLang="en-US" sz="450">
                 <a:solidFill>
                   <a:srgbClr val="2C3E50"/>
                 </a:solidFill>
               </a:rPr>
               <a:t>2</a:t>
             </a:r>
-            <a:endParaRPr lang="" altLang="en-US" sz="450">
+            <a:endParaRPr lang="en-US" altLang="en-US" sz="450">
               <a:solidFill>
                 <a:srgbClr val="2C3E50"/>
               </a:solidFill>
@@ -6068,14 +6068,14 @@
           <a:p>
             <a:pPr algn="ctr"/>
             <a:r>
-              <a:rPr lang="" altLang="en-US" sz="450">
+              <a:rPr lang="en-US" altLang="en-US" sz="450">
                 <a:solidFill>
                   <a:srgbClr val="2C3E50"/>
                 </a:solidFill>
               </a:rPr>
               <a:t>...</a:t>
             </a:r>
-            <a:endParaRPr lang="" altLang="en-US" sz="450">
+            <a:endParaRPr lang="en-US" altLang="en-US" sz="450">
               <a:solidFill>
                 <a:srgbClr val="2C3E50"/>
               </a:solidFill>
@@ -6135,14 +6135,14 @@
               <a:t>数据块</a:t>
             </a:r>
             <a:r>
-              <a:rPr lang="" altLang="en-US" sz="450">
+              <a:rPr lang="en-US" altLang="en-US" sz="450">
                 <a:solidFill>
                   <a:srgbClr val="2C3E50"/>
                 </a:solidFill>
               </a:rPr>
               <a:t>n</a:t>
             </a:r>
-            <a:endParaRPr lang="" altLang="en-US" sz="450">
+            <a:endParaRPr lang="en-US" altLang="en-US" sz="450">
               <a:solidFill>
                 <a:srgbClr val="2C3E50"/>
               </a:solidFill>
@@ -6332,14 +6332,14 @@
           <a:p>
             <a:pPr algn="ctr"/>
             <a:r>
-              <a:rPr lang="" altLang="zh-CN" sz="450">
+              <a:rPr lang="en-US" altLang="zh-CN" sz="450">
                 <a:solidFill>
                   <a:srgbClr val="2C3E50"/>
                 </a:solidFill>
               </a:rPr>
               <a:t>权限，修改时间等属性记录区</a:t>
             </a:r>
-            <a:endParaRPr lang="" altLang="zh-CN" sz="450">
+            <a:endParaRPr lang="en-US" altLang="zh-CN" sz="450">
               <a:solidFill>
                 <a:srgbClr val="2C3E50"/>
               </a:solidFill>
@@ -6391,14 +6391,14 @@
           <a:p>
             <a:pPr algn="ctr"/>
             <a:r>
-              <a:rPr lang="" altLang="zh-CN" sz="450">
+              <a:rPr lang="en-US" altLang="zh-CN" sz="450">
                 <a:solidFill>
                   <a:srgbClr val="2C3E50"/>
                 </a:solidFill>
               </a:rPr>
               <a:t>直接块记录</a:t>
             </a:r>
-            <a:endParaRPr lang="" altLang="zh-CN" sz="450">
+            <a:endParaRPr lang="en-US" altLang="zh-CN" sz="450">
               <a:solidFill>
                 <a:srgbClr val="2C3E50"/>
               </a:solidFill>
@@ -6450,14 +6450,14 @@
           <a:p>
             <a:pPr algn="ctr"/>
             <a:r>
-              <a:rPr lang="" altLang="zh-CN" sz="450">
+              <a:rPr lang="en-US" altLang="zh-CN" sz="450">
                 <a:solidFill>
                   <a:srgbClr val="2C3E50"/>
                 </a:solidFill>
               </a:rPr>
               <a:t>...</a:t>
             </a:r>
-            <a:endParaRPr lang="" altLang="zh-CN" sz="450">
+            <a:endParaRPr lang="en-US" altLang="zh-CN" sz="450">
               <a:solidFill>
                 <a:srgbClr val="2C3E50"/>
               </a:solidFill>
@@ -6509,14 +6509,14 @@
           <a:p>
             <a:pPr algn="ctr"/>
             <a:r>
-              <a:rPr lang="" altLang="zh-CN" sz="450">
+              <a:rPr lang="en-US" altLang="zh-CN" sz="450">
                 <a:solidFill>
                   <a:srgbClr val="2C3E50"/>
                 </a:solidFill>
               </a:rPr>
               <a:t>间接块记录</a:t>
             </a:r>
-            <a:endParaRPr lang="" altLang="zh-CN" sz="450">
+            <a:endParaRPr lang="en-US" altLang="zh-CN" sz="450">
               <a:solidFill>
                 <a:srgbClr val="2C3E50"/>
               </a:solidFill>
@@ -6568,14 +6568,14 @@
           <a:p>
             <a:pPr algn="ctr"/>
             <a:r>
-              <a:rPr lang="" altLang="zh-CN" sz="450">
+              <a:rPr lang="en-US" altLang="zh-CN" sz="450">
                 <a:solidFill>
                   <a:srgbClr val="2C3E50"/>
                 </a:solidFill>
               </a:rPr>
               <a:t>二次间接块记录</a:t>
             </a:r>
-            <a:endParaRPr lang="" altLang="zh-CN" sz="450">
+            <a:endParaRPr lang="en-US" altLang="zh-CN" sz="450">
               <a:solidFill>
                 <a:srgbClr val="2C3E50"/>
               </a:solidFill>
@@ -6627,14 +6627,14 @@
           <a:p>
             <a:pPr algn="ctr"/>
             <a:r>
-              <a:rPr lang="" altLang="zh-CN" sz="450">
+              <a:rPr lang="en-US" altLang="zh-CN" sz="450">
                 <a:solidFill>
                   <a:srgbClr val="2C3E50"/>
                 </a:solidFill>
               </a:rPr>
               <a:t>三次间接块记录</a:t>
             </a:r>
-            <a:endParaRPr lang="" altLang="zh-CN" sz="450">
+            <a:endParaRPr lang="en-US" altLang="zh-CN" sz="450">
               <a:solidFill>
                 <a:srgbClr val="2C3E50"/>
               </a:solidFill>
@@ -7293,14 +7293,14 @@
           <a:p>
             <a:pPr algn="ctr" fontAlgn="auto"/>
             <a:r>
-              <a:rPr lang="" altLang="zh-CN" sz="450">
+              <a:rPr lang="en-US" altLang="zh-CN" sz="450">
                 <a:solidFill>
                   <a:srgbClr val="2C3E50"/>
                 </a:solidFill>
               </a:rPr>
               <a:t>数据块</a:t>
             </a:r>
-            <a:endParaRPr lang="" altLang="zh-CN" sz="450">
+            <a:endParaRPr lang="en-US" altLang="zh-CN" sz="450">
               <a:solidFill>
                 <a:srgbClr val="2C3E50"/>
               </a:solidFill>
@@ -7629,7 +7629,7 @@
           <a:p>
             <a:pPr algn="ctr" fontAlgn="auto"/>
             <a:r>
-              <a:rPr lang="" altLang="en-US" sz="450">
+              <a:rPr lang="en-US" altLang="en-US" sz="450">
                 <a:solidFill>
                   <a:srgbClr val="2C3E50"/>
                 </a:solidFill>
@@ -8011,7 +8011,7 @@
           <a:p>
             <a:pPr algn="ctr" fontAlgn="auto"/>
             <a:r>
-              <a:rPr lang="" sz="800">
+              <a:rPr lang="en-US" sz="800">
                 <a:solidFill>
                   <a:srgbClr val="2C3E50"/>
                 </a:solidFill>
@@ -8019,7 +8019,7 @@
               </a:rPr>
               <a:t>.</a:t>
             </a:r>
-            <a:endParaRPr lang="" sz="800">
+            <a:endParaRPr lang="en-US" sz="800">
               <a:solidFill>
                 <a:srgbClr val="2C3E50"/>
               </a:solidFill>
@@ -8029,7 +8029,7 @@
           <a:p>
             <a:pPr algn="ctr" fontAlgn="auto"/>
             <a:r>
-              <a:rPr lang="" sz="800">
+              <a:rPr lang="en-US" sz="800">
                 <a:solidFill>
                   <a:srgbClr val="2C3E50"/>
                 </a:solidFill>
@@ -8037,7 +8037,7 @@
               </a:rPr>
               <a:t>.</a:t>
             </a:r>
-            <a:endParaRPr lang="" sz="800">
+            <a:endParaRPr lang="en-US" sz="800">
               <a:solidFill>
                 <a:srgbClr val="2C3E50"/>
               </a:solidFill>
@@ -8047,7 +8047,7 @@
           <a:p>
             <a:pPr algn="ctr" fontAlgn="auto"/>
             <a:r>
-              <a:rPr lang="" sz="800">
+              <a:rPr lang="en-US" sz="800">
                 <a:solidFill>
                   <a:srgbClr val="2C3E50"/>
                 </a:solidFill>
@@ -8055,7 +8055,7 @@
               </a:rPr>
               <a:t>.</a:t>
             </a:r>
-            <a:endParaRPr lang="" sz="800">
+            <a:endParaRPr lang="en-US" sz="800">
               <a:solidFill>
                 <a:srgbClr val="2C3E50"/>
               </a:solidFill>
@@ -8571,7 +8571,7 @@
           <a:p>
             <a:pPr algn="ctr" fontAlgn="auto"/>
             <a:r>
-              <a:rPr lang="" altLang="en-US" sz="800">
+              <a:rPr lang="en-US" altLang="en-US" sz="800">
                 <a:solidFill>
                   <a:srgbClr val="2C3E50"/>
                 </a:solidFill>
@@ -8580,7 +8580,7 @@
               </a:rPr>
               <a:t>.</a:t>
             </a:r>
-            <a:endParaRPr lang="" altLang="en-US" sz="800">
+            <a:endParaRPr lang="en-US" altLang="en-US" sz="800">
               <a:solidFill>
                 <a:srgbClr val="2C3E50"/>
               </a:solidFill>
@@ -8591,7 +8591,7 @@
           <a:p>
             <a:pPr algn="ctr" fontAlgn="auto"/>
             <a:r>
-              <a:rPr lang="" altLang="en-US" sz="800">
+              <a:rPr lang="en-US" altLang="en-US" sz="800">
                 <a:solidFill>
                   <a:srgbClr val="2C3E50"/>
                 </a:solidFill>
@@ -8599,7 +8599,7 @@
               </a:rPr>
               <a:t>.</a:t>
             </a:r>
-            <a:endParaRPr lang="" altLang="en-US" sz="800">
+            <a:endParaRPr lang="en-US" altLang="en-US" sz="800">
               <a:solidFill>
                 <a:srgbClr val="2C3E50"/>
               </a:solidFill>
@@ -8609,7 +8609,7 @@
           <a:p>
             <a:pPr algn="ctr" fontAlgn="auto"/>
             <a:r>
-              <a:rPr lang="" altLang="en-US" sz="800">
+              <a:rPr lang="en-US" altLang="en-US" sz="800">
                 <a:solidFill>
                   <a:srgbClr val="2C3E50"/>
                 </a:solidFill>
@@ -8617,7 +8617,7 @@
               </a:rPr>
               <a:t>.</a:t>
             </a:r>
-            <a:endParaRPr lang="" altLang="en-US" sz="800">
+            <a:endParaRPr lang="en-US" altLang="en-US" sz="800">
               <a:solidFill>
                 <a:srgbClr val="2C3E50"/>
               </a:solidFill>
@@ -8808,7 +8808,7 @@
           <a:p>
             <a:pPr algn="ctr" fontAlgn="auto"/>
             <a:r>
-              <a:rPr lang="" altLang="en-US" sz="800">
+              <a:rPr lang="en-US" altLang="en-US" sz="800">
                 <a:solidFill>
                   <a:srgbClr val="2C3E50"/>
                 </a:solidFill>
@@ -8816,7 +8816,7 @@
               </a:rPr>
               <a:t>.</a:t>
             </a:r>
-            <a:endParaRPr lang="" altLang="en-US" sz="800">
+            <a:endParaRPr lang="en-US" altLang="en-US" sz="800">
               <a:solidFill>
                 <a:srgbClr val="2C3E50"/>
               </a:solidFill>
@@ -8826,7 +8826,7 @@
           <a:p>
             <a:pPr algn="ctr" fontAlgn="auto"/>
             <a:r>
-              <a:rPr lang="" altLang="en-US" sz="800">
+              <a:rPr lang="en-US" altLang="en-US" sz="800">
                 <a:solidFill>
                   <a:srgbClr val="2C3E50"/>
                 </a:solidFill>
@@ -8834,7 +8834,7 @@
               </a:rPr>
               <a:t>.</a:t>
             </a:r>
-            <a:endParaRPr lang="" altLang="en-US" sz="800">
+            <a:endParaRPr lang="en-US" altLang="en-US" sz="800">
               <a:solidFill>
                 <a:srgbClr val="2C3E50"/>
               </a:solidFill>
@@ -8844,7 +8844,7 @@
           <a:p>
             <a:pPr algn="ctr" fontAlgn="auto"/>
             <a:r>
-              <a:rPr lang="" altLang="en-US" sz="800">
+              <a:rPr lang="en-US" altLang="en-US" sz="800">
                 <a:solidFill>
                   <a:srgbClr val="2C3E50"/>
                 </a:solidFill>
@@ -8852,7 +8852,7 @@
               </a:rPr>
               <a:t>.</a:t>
             </a:r>
-            <a:endParaRPr lang="" altLang="en-US" sz="800">
+            <a:endParaRPr lang="en-US" altLang="en-US" sz="800">
               <a:solidFill>
                 <a:srgbClr val="2C3E50"/>
               </a:solidFill>
@@ -9297,7 +9297,7 @@
           <a:p>
             <a:pPr algn="ctr" fontAlgn="auto"/>
             <a:r>
-              <a:rPr lang="" altLang="zh-CN" sz="800">
+              <a:rPr lang="en-US" altLang="zh-CN" sz="800">
                 <a:solidFill>
                   <a:srgbClr val="2C3E50"/>
                 </a:solidFill>
@@ -9305,7 +9305,7 @@
               </a:rPr>
               <a:t>.</a:t>
             </a:r>
-            <a:endParaRPr lang="" altLang="zh-CN" sz="800">
+            <a:endParaRPr lang="en-US" altLang="zh-CN" sz="800">
               <a:solidFill>
                 <a:srgbClr val="2C3E50"/>
               </a:solidFill>
@@ -9315,7 +9315,7 @@
           <a:p>
             <a:pPr algn="ctr" fontAlgn="auto"/>
             <a:r>
-              <a:rPr lang="" altLang="zh-CN" sz="800">
+              <a:rPr lang="en-US" altLang="zh-CN" sz="800">
                 <a:solidFill>
                   <a:srgbClr val="2C3E50"/>
                 </a:solidFill>
@@ -9323,7 +9323,7 @@
               </a:rPr>
               <a:t>.</a:t>
             </a:r>
-            <a:endParaRPr lang="" altLang="zh-CN" sz="800">
+            <a:endParaRPr lang="en-US" altLang="zh-CN" sz="800">
               <a:solidFill>
                 <a:srgbClr val="2C3E50"/>
               </a:solidFill>
@@ -9333,7 +9333,7 @@
           <a:p>
             <a:pPr algn="ctr" fontAlgn="auto"/>
             <a:r>
-              <a:rPr lang="" altLang="zh-CN" sz="800">
+              <a:rPr lang="en-US" altLang="zh-CN" sz="800">
                 <a:solidFill>
                   <a:srgbClr val="2C3E50"/>
                 </a:solidFill>
@@ -9341,7 +9341,7 @@
               </a:rPr>
               <a:t>.</a:t>
             </a:r>
-            <a:endParaRPr lang="" altLang="zh-CN" sz="800">
+            <a:endParaRPr lang="en-US" altLang="zh-CN" sz="800">
               <a:solidFill>
                 <a:srgbClr val="2C3E50"/>
               </a:solidFill>
@@ -9632,7 +9632,7 @@
           </a:bodyPr>
           <a:p>
             <a:r>
-              <a:rPr lang="" altLang="zh-CN" sz="1000">
+              <a:rPr lang="en-US" altLang="zh-CN" sz="1000">
                 <a:ln>
                   <a:solidFill>
                     <a:srgbClr val="3EAF7C"/>
@@ -9644,7 +9644,7 @@
               </a:rPr>
               <a:t>文件</a:t>
             </a:r>
-            <a:endParaRPr lang="" altLang="zh-CN" sz="1000">
+            <a:endParaRPr lang="en-US" altLang="zh-CN" sz="1000">
               <a:ln>
                 <a:solidFill>
                   <a:srgbClr val="3EAF7C"/>
@@ -9679,7 +9679,7 @@
           </a:bodyPr>
           <a:p>
             <a:r>
-              <a:rPr lang="" altLang="zh-CN" sz="900" b="1">
+              <a:rPr lang="en-US" altLang="zh-CN" sz="900" b="1">
                 <a:ln>
                   <a:solidFill>
                     <a:srgbClr val="3EAF7C"/>
@@ -9691,7 +9691,7 @@
               </a:rPr>
               <a:t>inode</a:t>
             </a:r>
-            <a:endParaRPr lang="" altLang="zh-CN" sz="900" b="1">
+            <a:endParaRPr lang="en-US" altLang="zh-CN" sz="900" b="1">
               <a:ln>
                 <a:solidFill>
                   <a:srgbClr val="3EAF7C"/>
@@ -9762,14 +9762,14 @@
             <a:p>
               <a:pPr algn="ctr"/>
               <a:r>
-                <a:rPr lang="" altLang="zh-CN" sz="1000">
+                <a:rPr lang="en-US" altLang="zh-CN" sz="1000">
                   <a:solidFill>
                     <a:srgbClr val="2C3E50"/>
                   </a:solidFill>
                 </a:rPr>
                 <a:t>inode</a:t>
               </a:r>
-              <a:endParaRPr lang="" altLang="zh-CN" sz="1000">
+              <a:endParaRPr lang="en-US" altLang="zh-CN" sz="1000">
                 <a:solidFill>
                   <a:srgbClr val="2C3E50"/>
                 </a:solidFill>
@@ -9821,14 +9821,14 @@
             <a:p>
               <a:pPr algn="ctr"/>
               <a:r>
-                <a:rPr lang="" altLang="zh-CN" sz="1000">
+                <a:rPr lang="en-US" altLang="zh-CN" sz="1000">
                   <a:solidFill>
                     <a:srgbClr val="2C3E50"/>
                   </a:solidFill>
                 </a:rPr>
                 <a:t> 数据块</a:t>
               </a:r>
-              <a:endParaRPr lang="" altLang="zh-CN" sz="1000">
+              <a:endParaRPr lang="en-US" altLang="zh-CN" sz="1000">
                 <a:solidFill>
                   <a:srgbClr val="2C3E50"/>
                 </a:solidFill>
@@ -9943,14 +9943,14 @@
           </a:bodyPr>
           <a:p>
             <a:r>
-              <a:rPr lang="" altLang="zh-CN" sz="1000" b="1">
+              <a:rPr lang="en-US" altLang="zh-CN" sz="1000" b="1">
                 <a:solidFill>
                   <a:srgbClr val="3EAF7C"/>
                 </a:solidFill>
               </a:rPr>
               <a:t>目录</a:t>
             </a:r>
-            <a:endParaRPr lang="" altLang="zh-CN" sz="1000" b="1">
+            <a:endParaRPr lang="en-US" altLang="zh-CN" sz="1000" b="1">
               <a:solidFill>
                 <a:srgbClr val="3EAF7C"/>
               </a:solidFill>
@@ -13221,14 +13221,14 @@
           <a:p>
             <a:pPr algn="ctr"/>
             <a:r>
-              <a:rPr lang="" altLang="zh-CN" sz="1200">
+              <a:rPr lang="en-US" altLang="zh-CN" sz="1200">
                 <a:solidFill>
                   <a:srgbClr val="2C3E50"/>
                 </a:solidFill>
               </a:rPr>
               <a:t>Application </a:t>
             </a:r>
-            <a:endParaRPr lang="" altLang="zh-CN" sz="1200">
+            <a:endParaRPr lang="en-US" altLang="zh-CN" sz="1200">
               <a:solidFill>
                 <a:srgbClr val="2C3E50"/>
               </a:solidFill>
@@ -13294,14 +13294,14 @@
           </a:bodyPr>
           <a:p>
             <a:r>
-              <a:rPr lang="" altLang="zh-CN" sz="1200">
+              <a:rPr lang="en-US" altLang="zh-CN" sz="1200">
                 <a:solidFill>
                   <a:srgbClr val="2C3E50"/>
                 </a:solidFill>
               </a:rPr>
               <a:t>user</a:t>
             </a:r>
-            <a:endParaRPr lang="" altLang="zh-CN" sz="1200">
+            <a:endParaRPr lang="en-US" altLang="zh-CN" sz="1200">
               <a:solidFill>
                 <a:srgbClr val="2C3E50"/>
               </a:solidFill>
@@ -13353,14 +13353,14 @@
           <a:p>
             <a:pPr algn="ctr"/>
             <a:r>
-              <a:rPr lang="" altLang="en-US" sz="1200">
+              <a:rPr lang="en-US" altLang="en-US" sz="1200">
                 <a:solidFill>
                   <a:srgbClr val="2C3E50"/>
                 </a:solidFill>
               </a:rPr>
               <a:t>VFS</a:t>
             </a:r>
-            <a:endParaRPr lang="" altLang="en-US" sz="1200">
+            <a:endParaRPr lang="en-US" altLang="en-US" sz="1200">
               <a:solidFill>
                 <a:srgbClr val="2C3E50"/>
               </a:solidFill>
@@ -13426,14 +13426,14 @@
           </a:bodyPr>
           <a:p>
             <a:r>
-              <a:rPr lang="" altLang="en-US" sz="1200">
+              <a:rPr lang="en-US" altLang="en-US" sz="1200">
                 <a:solidFill>
                   <a:srgbClr val="2C3E50"/>
                 </a:solidFill>
               </a:rPr>
               <a:t>kernel</a:t>
             </a:r>
-            <a:endParaRPr lang="" altLang="en-US" sz="1200">
+            <a:endParaRPr lang="en-US" altLang="en-US" sz="1200">
               <a:solidFill>
                 <a:srgbClr val="2C3E50"/>
               </a:solidFill>
@@ -13485,14 +13485,14 @@
           <a:p>
             <a:pPr algn="ctr"/>
             <a:r>
-              <a:rPr lang="" altLang="en-US" sz="1200">
+              <a:rPr lang="en-US" altLang="en-US" sz="1200">
                 <a:solidFill>
                   <a:srgbClr val="2C3E50"/>
                 </a:solidFill>
               </a:rPr>
               <a:t>memory catch</a:t>
             </a:r>
-            <a:endParaRPr lang="" altLang="en-US" sz="1200">
+            <a:endParaRPr lang="en-US" altLang="en-US" sz="1200">
               <a:solidFill>
                 <a:srgbClr val="2C3E50"/>
               </a:solidFill>
@@ -13544,14 +13544,14 @@
           <a:p>
             <a:pPr algn="ctr"/>
             <a:r>
-              <a:rPr lang="" altLang="en-US" sz="1200">
+              <a:rPr lang="en-US" altLang="en-US" sz="1200">
                 <a:solidFill>
                   <a:srgbClr val="2C3E50"/>
                 </a:solidFill>
               </a:rPr>
               <a:t>Ext2/3/4</a:t>
             </a:r>
-            <a:endParaRPr lang="" altLang="en-US" sz="1200">
+            <a:endParaRPr lang="en-US" altLang="en-US" sz="1200">
               <a:solidFill>
                 <a:srgbClr val="2C3E50"/>
               </a:solidFill>
@@ -13603,14 +13603,14 @@
           <a:p>
             <a:pPr algn="ctr"/>
             <a:r>
-              <a:rPr lang="" altLang="en-US" sz="1200">
+              <a:rPr lang="en-US" altLang="en-US" sz="1200">
                 <a:solidFill>
                   <a:srgbClr val="2C3E50"/>
                 </a:solidFill>
               </a:rPr>
               <a:t>XFS/YAFS</a:t>
             </a:r>
-            <a:endParaRPr lang="" altLang="en-US" sz="1200">
+            <a:endParaRPr lang="en-US" altLang="en-US" sz="1200">
               <a:solidFill>
                 <a:srgbClr val="2C3E50"/>
               </a:solidFill>
@@ -13662,14 +13662,14 @@
           <a:p>
             <a:pPr algn="ctr"/>
             <a:r>
-              <a:rPr lang="" altLang="en-US" sz="1200">
+              <a:rPr lang="en-US" altLang="en-US" sz="1200">
                 <a:solidFill>
                   <a:srgbClr val="2C3E50"/>
                 </a:solidFill>
               </a:rPr>
               <a:t>NFS</a:t>
             </a:r>
-            <a:endParaRPr lang="" altLang="en-US" sz="1200">
+            <a:endParaRPr lang="en-US" altLang="en-US" sz="1200">
               <a:solidFill>
                 <a:srgbClr val="2C3E50"/>
               </a:solidFill>
@@ -13721,14 +13721,14 @@
           <a:p>
             <a:pPr algn="ctr"/>
             <a:r>
-              <a:rPr lang="" altLang="zh-CN" sz="1200">
+              <a:rPr lang="en-US" altLang="zh-CN" sz="1200">
                 <a:solidFill>
                   <a:srgbClr val="2C3E50"/>
                 </a:solidFill>
               </a:rPr>
               <a:t>Device</a:t>
             </a:r>
-            <a:endParaRPr lang="" altLang="zh-CN" sz="1200">
+            <a:endParaRPr lang="en-US" altLang="zh-CN" sz="1200">
               <a:solidFill>
                 <a:srgbClr val="2C3E50"/>
               </a:solidFill>
@@ -13737,14 +13737,14 @@
           <a:p>
             <a:pPr algn="ctr"/>
             <a:r>
-              <a:rPr lang="" altLang="zh-CN" sz="1200">
+              <a:rPr lang="en-US" altLang="zh-CN" sz="1200">
                 <a:solidFill>
                   <a:srgbClr val="2C3E50"/>
                 </a:solidFill>
               </a:rPr>
               <a:t>Files</a:t>
             </a:r>
-            <a:endParaRPr lang="" altLang="zh-CN" sz="1200">
+            <a:endParaRPr lang="en-US" altLang="zh-CN" sz="1200">
               <a:solidFill>
                 <a:srgbClr val="2C3E50"/>
               </a:solidFill>
@@ -13845,14 +13845,14 @@
           <a:p>
             <a:pPr algn="ctr"/>
             <a:r>
-              <a:rPr lang="" altLang="zh-CN" sz="1000">
+              <a:rPr lang="en-US" altLang="zh-CN" sz="1000">
                 <a:solidFill>
                   <a:srgbClr val="2C3E50"/>
                 </a:solidFill>
               </a:rPr>
               <a:t>generic block </a:t>
             </a:r>
-            <a:endParaRPr lang="" altLang="zh-CN" sz="1000">
+            <a:endParaRPr lang="en-US" altLang="zh-CN" sz="1000">
               <a:solidFill>
                 <a:srgbClr val="2C3E50"/>
               </a:solidFill>
@@ -13906,14 +13906,14 @@
           <a:p>
             <a:pPr algn="ctr"/>
             <a:r>
-              <a:rPr lang="" altLang="en-US" sz="1000">
+              <a:rPr lang="en-US" altLang="en-US" sz="1000">
                 <a:solidFill>
                   <a:srgbClr val="2C3E50"/>
                 </a:solidFill>
               </a:rPr>
               <a:t>I/O scheduler</a:t>
             </a:r>
-            <a:endParaRPr lang="" altLang="en-US" sz="1000">
+            <a:endParaRPr lang="en-US" altLang="en-US" sz="1000">
               <a:solidFill>
                 <a:srgbClr val="2C3E50"/>
               </a:solidFill>
@@ -13990,7 +13990,7 @@
         </p:nvSpPr>
         <p:spPr>
           <a:xfrm>
-            <a:off x="2404110" y="4446905"/>
+            <a:off x="2404110" y="4481830"/>
             <a:ext cx="988060" cy="276225"/>
           </a:xfrm>
           <a:prstGeom prst="rect">
@@ -14028,14 +14028,14 @@
           <a:p>
             <a:pPr algn="ctr"/>
             <a:r>
-              <a:rPr lang="" altLang="zh-CN" sz="1400">
+              <a:rPr lang="en-US" altLang="zh-CN" sz="1400">
                 <a:solidFill>
                   <a:srgbClr val="2C3E50"/>
                 </a:solidFill>
               </a:rPr>
               <a:t>hard disk</a:t>
             </a:r>
-            <a:endParaRPr lang="" altLang="zh-CN" sz="1400">
+            <a:endParaRPr lang="en-US" altLang="zh-CN" sz="1400">
               <a:solidFill>
                 <a:srgbClr val="2C3E50"/>
               </a:solidFill>
@@ -14051,7 +14051,7 @@
         </p:nvSpPr>
         <p:spPr>
           <a:xfrm>
-            <a:off x="4527550" y="4447540"/>
+            <a:off x="4527550" y="4481830"/>
             <a:ext cx="700405" cy="276225"/>
           </a:xfrm>
           <a:prstGeom prst="rect">
@@ -14089,14 +14089,14 @@
           <a:p>
             <a:pPr algn="ctr"/>
             <a:r>
-              <a:rPr lang="" altLang="en-US" sz="1400">
+              <a:rPr lang="en-US" altLang="en-US" sz="1400">
                 <a:solidFill>
                   <a:srgbClr val="2C3E50"/>
                 </a:solidFill>
               </a:rPr>
               <a:t>device</a:t>
             </a:r>
-            <a:endParaRPr lang="" altLang="en-US" sz="1400">
+            <a:endParaRPr lang="en-US" altLang="en-US" sz="1400">
               <a:solidFill>
                 <a:srgbClr val="2C3E50"/>
               </a:solidFill>
@@ -14150,14 +14150,14 @@
           <a:p>
             <a:pPr algn="ctr"/>
             <a:r>
-              <a:rPr lang="" altLang="en-US" sz="1000">
+              <a:rPr lang="en-US" altLang="en-US" sz="1000">
                 <a:solidFill>
                   <a:srgbClr val="2C3E50"/>
                 </a:solidFill>
               </a:rPr>
               <a:t>network</a:t>
             </a:r>
-            <a:endParaRPr lang="" altLang="en-US" sz="1000">
+            <a:endParaRPr lang="en-US" altLang="en-US" sz="1000">
               <a:solidFill>
                 <a:srgbClr val="2C3E50"/>
               </a:solidFill>
@@ -14187,14 +14187,14 @@
           </a:bodyPr>
           <a:p>
             <a:r>
-              <a:rPr lang="" altLang="zh-CN" sz="1200">
+              <a:rPr lang="en-US" altLang="zh-CN" sz="1200">
                 <a:solidFill>
                   <a:srgbClr val="2C3E50"/>
                 </a:solidFill>
               </a:rPr>
               <a:t>hardware</a:t>
             </a:r>
-            <a:endParaRPr lang="" altLang="zh-CN" sz="1200">
+            <a:endParaRPr lang="en-US" altLang="zh-CN" sz="1200">
               <a:solidFill>
                 <a:srgbClr val="2C3E50"/>
               </a:solidFill>
@@ -14533,7 +14533,7 @@
         </p:nvCxnSpPr>
         <p:spPr>
           <a:xfrm>
-            <a:off x="2890520" y="3994785"/>
+            <a:off x="2890520" y="4029710"/>
             <a:ext cx="7620" cy="452120"/>
           </a:xfrm>
           <a:prstGeom prst="line">
@@ -14790,7 +14790,7 @@
           <a:p>
             <a:pPr algn="ctr"/>
             <a:r>
-              <a:rPr lang="" altLang="zh-CN" sz="1000">
+              <a:rPr lang="en-US" altLang="zh-CN" sz="1000">
                 <a:solidFill>
                   <a:srgbClr val="2C3E50"/>
                 </a:solidFill>
@@ -14884,14 +14884,14 @@
           </a:bodyPr>
           <a:p>
             <a:r>
-              <a:rPr lang="" altLang="zh-CN" sz="900">
+              <a:rPr lang="en-US" altLang="zh-CN" sz="900">
                 <a:solidFill>
                   <a:srgbClr val="2C3E50"/>
                 </a:solidFill>
               </a:rPr>
               <a:t>等价于</a:t>
             </a:r>
-            <a:endParaRPr lang="" altLang="zh-CN" sz="900">
+            <a:endParaRPr lang="en-US" altLang="zh-CN" sz="900">
               <a:solidFill>
                 <a:srgbClr val="2C3E50"/>
               </a:solidFill>
@@ -15014,7 +15014,7 @@
               </a:rPr>
               <a:t>rootfs</a:t>
             </a:r>
-            <a:endParaRPr lang="" altLang="en-US">
+            <a:endParaRPr lang="en-US" altLang="en-US">
               <a:solidFill>
                 <a:srgbClr val="2C3E50"/>
               </a:solidFill>
@@ -15465,14 +15465,14 @@
           <a:p>
             <a:pPr algn="ctr"/>
             <a:r>
-              <a:rPr lang="" altLang="zh-CN">
+              <a:rPr lang="en-US" altLang="zh-CN">
                 <a:solidFill>
                   <a:srgbClr val="2C3E50"/>
                 </a:solidFill>
               </a:rPr>
               <a:t>内存</a:t>
             </a:r>
-            <a:endParaRPr lang="" altLang="zh-CN">
+            <a:endParaRPr lang="en-US" altLang="zh-CN">
               <a:solidFill>
                 <a:srgbClr val="2C3E50"/>
               </a:solidFill>
@@ -15526,14 +15526,14 @@
           <a:p>
             <a:pPr algn="ctr"/>
             <a:r>
-              <a:rPr lang="" altLang="zh-CN" sz="1200">
+              <a:rPr lang="en-US" altLang="zh-CN" sz="1200">
                 <a:solidFill>
                   <a:srgbClr val="2C3E50"/>
                 </a:solidFill>
               </a:rPr>
               <a:t>initrd 文件</a:t>
             </a:r>
-            <a:endParaRPr lang="" altLang="zh-CN" sz="1200">
+            <a:endParaRPr lang="en-US" altLang="zh-CN" sz="1200">
               <a:solidFill>
                 <a:srgbClr val="2C3E50"/>
               </a:solidFill>
@@ -15635,14 +15635,14 @@
           </a:bodyPr>
           <a:p>
             <a:r>
-              <a:rPr lang="" altLang="zh-CN" sz="800">
+              <a:rPr lang="en-US" altLang="zh-CN" sz="800">
                 <a:solidFill>
                   <a:srgbClr val="2C3E50"/>
                 </a:solidFill>
               </a:rPr>
               <a:t>文件系统镜像</a:t>
             </a:r>
-            <a:endParaRPr lang="" altLang="zh-CN" sz="800">
+            <a:endParaRPr lang="en-US" altLang="zh-CN" sz="800">
               <a:solidFill>
                 <a:srgbClr val="2C3E50"/>
               </a:solidFill>
@@ -15681,14 +15681,14 @@
               <a:t>cpio</a:t>
             </a:r>
             <a:r>
-              <a:rPr lang="" altLang="zh-CN" sz="900">
+              <a:rPr lang="en-US" altLang="zh-CN" sz="900">
                 <a:solidFill>
                   <a:srgbClr val="2C3E50"/>
                 </a:solidFill>
               </a:rPr>
               <a:t>生成</a:t>
             </a:r>
-            <a:endParaRPr lang="" altLang="zh-CN" sz="900">
+            <a:endParaRPr lang="en-US" altLang="zh-CN" sz="900">
               <a:solidFill>
                 <a:srgbClr val="2C3E50"/>
               </a:solidFill>
@@ -15767,14 +15767,14 @@
           </a:bodyPr>
           <a:p>
             <a:r>
-              <a:rPr lang="" altLang="zh-CN" sz="1200">
+              <a:rPr lang="en-US" altLang="zh-CN" sz="1200">
                 <a:solidFill>
                   <a:srgbClr val="2C3E50"/>
                 </a:solidFill>
               </a:rPr>
               <a:t>load</a:t>
             </a:r>
-            <a:endParaRPr lang="" altLang="zh-CN" sz="1200">
+            <a:endParaRPr lang="en-US" altLang="zh-CN" sz="1200">
               <a:solidFill>
                 <a:srgbClr val="2C3E50"/>
               </a:solidFill>
@@ -15877,14 +15877,14 @@
           <a:p>
             <a:pPr algn="ctr"/>
             <a:r>
-              <a:rPr lang="" altLang="zh-CN">
+              <a:rPr lang="en-US" altLang="zh-CN">
                 <a:solidFill>
                   <a:srgbClr val="2C3E50"/>
                 </a:solidFill>
               </a:rPr>
               <a:t>kernel</a:t>
             </a:r>
-            <a:endParaRPr lang="" altLang="zh-CN">
+            <a:endParaRPr lang="en-US" altLang="zh-CN">
               <a:solidFill>
                 <a:srgbClr val="2C3E50"/>
               </a:solidFill>
@@ -15938,14 +15938,14 @@
           <a:p>
             <a:pPr algn="ctr"/>
             <a:r>
-              <a:rPr lang="" altLang="zh-CN">
+              <a:rPr lang="en-US" altLang="zh-CN">
                 <a:solidFill>
                   <a:srgbClr val="2C3E50"/>
                 </a:solidFill>
               </a:rPr>
               <a:t>rootfs</a:t>
             </a:r>
-            <a:endParaRPr lang="" altLang="zh-CN">
+            <a:endParaRPr lang="en-US" altLang="zh-CN">
               <a:solidFill>
                 <a:srgbClr val="2C3E50"/>
               </a:solidFill>
@@ -16052,14 +16052,14 @@
           <a:p>
             <a:pPr algn="ctr"/>
             <a:r>
-              <a:rPr lang="" altLang="zh-CN" sz="800">
+              <a:rPr lang="en-US" altLang="zh-CN" sz="800">
                 <a:solidFill>
                   <a:srgbClr val="2C3E50"/>
                 </a:solidFill>
               </a:rPr>
               <a:t>一种文件系统类型</a:t>
             </a:r>
-            <a:endParaRPr lang="" altLang="zh-CN" sz="800">
+            <a:endParaRPr lang="en-US" altLang="zh-CN" sz="800">
               <a:solidFill>
                 <a:srgbClr val="2C3E50"/>
               </a:solidFill>
@@ -16131,14 +16131,14 @@
           <a:p>
             <a:pPr algn="ctr"/>
             <a:r>
-              <a:rPr lang="" altLang="zh-CN" sz="1000">
+              <a:rPr lang="en-US" altLang="zh-CN" sz="1000">
                 <a:solidFill>
                   <a:srgbClr val="2C3E50"/>
                 </a:solidFill>
               </a:rPr>
               <a:t>kernel</a:t>
             </a:r>
-            <a:endParaRPr lang="" altLang="zh-CN" sz="1000">
+            <a:endParaRPr lang="en-US" altLang="zh-CN" sz="1000">
               <a:solidFill>
                 <a:srgbClr val="2C3E50"/>
               </a:solidFill>
@@ -16253,14 +16253,14 @@
           <a:p>
             <a:pPr algn="ctr"/>
             <a:r>
-              <a:rPr lang="" altLang="en-US" sz="1000">
+              <a:rPr lang="en-US" altLang="en-US" sz="1000">
                 <a:solidFill>
                   <a:srgbClr val="2C3E50"/>
                 </a:solidFill>
               </a:rPr>
               <a:t>image-initrd</a:t>
             </a:r>
-            <a:endParaRPr lang="" altLang="en-US" sz="1000">
+            <a:endParaRPr lang="en-US" altLang="en-US" sz="1000">
               <a:solidFill>
                 <a:srgbClr val="2C3E50"/>
               </a:solidFill>
@@ -16375,14 +16375,14 @@
           <a:p>
             <a:pPr algn="ctr"/>
             <a:r>
-              <a:rPr lang="" altLang="en-US" sz="1000">
+              <a:rPr lang="en-US" altLang="en-US" sz="1000">
                 <a:solidFill>
                   <a:srgbClr val="2C3E50"/>
                 </a:solidFill>
               </a:rPr>
               <a:t>cpio-initrd</a:t>
             </a:r>
-            <a:endParaRPr lang="" altLang="en-US" sz="1000">
+            <a:endParaRPr lang="en-US" altLang="en-US" sz="1000">
               <a:solidFill>
                 <a:srgbClr val="2C3E50"/>
               </a:solidFill>
@@ -16436,14 +16436,14 @@
           <a:p>
             <a:pPr algn="ctr"/>
             <a:r>
-              <a:rPr lang="" altLang="en-US" sz="1000">
+              <a:rPr lang="en-US" altLang="en-US" sz="1000">
                 <a:solidFill>
                   <a:srgbClr val="2C3E50"/>
                 </a:solidFill>
               </a:rPr>
               <a:t>根文件系统</a:t>
             </a:r>
-            <a:endParaRPr lang="" altLang="en-US" sz="1000">
+            <a:endParaRPr lang="en-US" altLang="en-US" sz="1000">
               <a:solidFill>
                 <a:srgbClr val="2C3E50"/>
               </a:solidFill>
@@ -16779,14 +16779,14 @@
           </a:bodyPr>
           <a:p>
             <a:r>
-              <a:rPr lang="" altLang="zh-CN" sz="1200">
+              <a:rPr lang="en-US" altLang="zh-CN" sz="1200">
                 <a:solidFill>
                   <a:srgbClr val="2C3E50"/>
                 </a:solidFill>
               </a:rPr>
               <a:t>文件格式的initrd</a:t>
             </a:r>
-            <a:endParaRPr lang="" altLang="zh-CN" sz="1200">
+            <a:endParaRPr lang="en-US" altLang="zh-CN" sz="1200">
               <a:solidFill>
                 <a:srgbClr val="2C3E50"/>
               </a:solidFill>
@@ -16816,14 +16816,14 @@
           </a:bodyPr>
           <a:p>
             <a:r>
-              <a:rPr lang="" altLang="zh-CN" sz="1200">
+              <a:rPr lang="en-US" altLang="zh-CN" sz="1200">
                 <a:solidFill>
                   <a:srgbClr val="2C3E50"/>
                 </a:solidFill>
               </a:rPr>
               <a:t>cpio 的initrd</a:t>
             </a:r>
-            <a:endParaRPr lang="" altLang="zh-CN" sz="1200">
+            <a:endParaRPr lang="en-US" altLang="zh-CN" sz="1200">
               <a:solidFill>
                 <a:srgbClr val="2C3E50"/>
               </a:solidFill>
